--- a/Documentacion/Presentación Aplicacion TuristearCR.pptx
+++ b/Documentacion/Presentación Aplicacion TuristearCR.pptx
@@ -3181,35 +3181,7 @@
                 <a:latin typeface="+mn-lt"/>
                 <a:cs typeface="Verdana"/>
               </a:rPr>
-              <a:t>TI – </a:t>
-            </a:r>
-            <a:r>
-              <a:rPr lang="es-ES" sz="2800" dirty="0" smtClean="0">
-                <a:effectLst>
-                  <a:outerShdw blurRad="38100" dist="38100" dir="2700000" algn="tl">
-                    <a:srgbClr val="000000">
-                      <a:alpha val="43137"/>
-                    </a:srgbClr>
-                  </a:outerShdw>
-                </a:effectLst>
-                <a:latin typeface="+mn-lt"/>
-                <a:cs typeface="Verdana"/>
-              </a:rPr>
-              <a:t>55</a:t>
-            </a:r>
-            <a:r>
-              <a:rPr lang="es-ES" sz="2800" dirty="0" smtClean="0">
-                <a:effectLst>
-                  <a:outerShdw blurRad="38100" dist="38100" dir="2700000" algn="tl">
-                    <a:srgbClr val="000000">
-                      <a:alpha val="43137"/>
-                    </a:srgbClr>
-                  </a:outerShdw>
-                </a:effectLst>
-                <a:latin typeface="+mn-lt"/>
-                <a:cs typeface="Verdana"/>
-              </a:rPr>
-              <a:t>01 Diseño de Software</a:t>
+              <a:t>TI – 5501 Diseño de Software</a:t>
             </a:r>
             <a:endParaRPr lang="es-ES" sz="2800" dirty="0">
               <a:effectLst>
@@ -3279,41 +3251,7 @@
                 <a:latin typeface="+mn-lt"/>
                 <a:cs typeface="Verdana"/>
               </a:rPr>
-              <a:t>Prof. </a:t>
-            </a:r>
-            <a:r>
-              <a:rPr lang="en-US" sz="2400" dirty="0" smtClean="0">
-                <a:solidFill>
-                  <a:schemeClr val="tx1"/>
-                </a:solidFill>
-                <a:effectLst>
-                  <a:outerShdw blurRad="38100" dist="38100" dir="2700000" algn="tl">
-                    <a:srgbClr val="000000">
-                      <a:alpha val="43137"/>
-                    </a:srgbClr>
-                  </a:outerShdw>
-                </a:effectLst>
-                <a:latin typeface="+mn-lt"/>
-                <a:cs typeface="Verdana"/>
-              </a:rPr>
-              <a:t>Andrei Fuentes</a:t>
-            </a:r>
-            <a:r>
-              <a:rPr lang="en-US" sz="2400" dirty="0" smtClean="0">
-                <a:solidFill>
-                  <a:schemeClr val="tx1"/>
-                </a:solidFill>
-                <a:effectLst>
-                  <a:outerShdw blurRad="38100" dist="38100" dir="2700000" algn="tl">
-                    <a:srgbClr val="000000">
-                      <a:alpha val="43137"/>
-                    </a:srgbClr>
-                  </a:outerShdw>
-                </a:effectLst>
-                <a:latin typeface="+mn-lt"/>
-                <a:cs typeface="Verdana"/>
-              </a:rPr>
-              <a:t> </a:t>
+              <a:t>Prof. Andrei Fuentes </a:t>
             </a:r>
             <a:endParaRPr lang="es-ES" sz="2400" dirty="0">
               <a:solidFill>
@@ -3641,8 +3579,8 @@
         </p:blipFill>
         <p:spPr>
           <a:xfrm>
-            <a:off x="2318145" y="1433015"/>
-            <a:ext cx="7555710" cy="5424985"/>
+            <a:off x="1433015" y="1279905"/>
+            <a:ext cx="9034818" cy="5552280"/>
           </a:xfrm>
           <a:prstGeom prst="rect">
             <a:avLst/>
@@ -4004,18 +3942,12 @@
               <a:rPr lang="es-CR" dirty="0" smtClean="0"/>
               <a:t>el conectar la aplicación al API de Twitter es complicado de entender pero fácil de implementar.</a:t>
             </a:r>
-            <a:endParaRPr lang="es-CR" dirty="0" smtClean="0"/>
           </a:p>
           <a:p>
             <a:r>
               <a:rPr lang="es-CR" dirty="0" smtClean="0"/>
-              <a:t>La selección del dominio nos llevo a crear un análisis según nuestras necesidades</a:t>
-            </a:r>
-            <a:r>
-              <a:rPr lang="es-CR" dirty="0" smtClean="0"/>
-              <a:t>.</a:t>
-            </a:r>
-            <a:endParaRPr lang="es-CR" dirty="0" smtClean="0"/>
+              <a:t>La selección del dominio nos llevo a crear un análisis según nuestras necesidades.</a:t>
+            </a:r>
           </a:p>
           <a:p>
             <a:r>
@@ -4114,7 +4046,6 @@
               <a:rPr lang="es-CR" dirty="0" smtClean="0"/>
               <a:t>Poco conocimiento sobre lugares turísticos.</a:t>
             </a:r>
-            <a:endParaRPr lang="es-CR" dirty="0" smtClean="0"/>
           </a:p>
           <a:p>
             <a:pPr marL="0" indent="0" algn="r">
@@ -4288,15 +4219,7 @@
             </a:r>
             <a:r>
               <a:rPr lang="es-CR" dirty="0" smtClean="0"/>
-              <a:t>de </a:t>
-            </a:r>
-            <a:r>
-              <a:rPr lang="es-CR" dirty="0" smtClean="0"/>
-              <a:t>voluntariado </a:t>
-            </a:r>
-            <a:r>
-              <a:rPr lang="es-CR" dirty="0" smtClean="0"/>
-              <a:t>y </a:t>
+              <a:t>de voluntariado y </a:t>
             </a:r>
             <a:r>
               <a:rPr lang="es-CR" dirty="0"/>
@@ -4418,7 +4341,6 @@
               <a:rPr lang="es-CR" dirty="0" smtClean="0"/>
               <a:t>Formulación de diagramas y patrones</a:t>
             </a:r>
-            <a:endParaRPr lang="es-CR" dirty="0" smtClean="0"/>
           </a:p>
           <a:p>
             <a:r>
@@ -4694,7 +4616,6 @@
               <a:rPr lang="es-CR" dirty="0" smtClean="0"/>
               <a:t>Diagrama de Clases</a:t>
             </a:r>
-            <a:endParaRPr lang="es-CR" dirty="0" smtClean="0"/>
           </a:p>
           <a:p>
             <a:endParaRPr lang="es-CR" dirty="0"/>

--- a/Documentacion/Presentación Aplicacion TuristearCR.pptx
+++ b/Documentacion/Presentación Aplicacion TuristearCR.pptx
@@ -3579,8 +3579,8 @@
         </p:blipFill>
         <p:spPr>
           <a:xfrm>
-            <a:off x="1433015" y="1279905"/>
-            <a:ext cx="9034818" cy="5552280"/>
+            <a:off x="1907887" y="1279905"/>
+            <a:ext cx="8085073" cy="5552280"/>
           </a:xfrm>
           <a:prstGeom prst="rect">
             <a:avLst/>
